--- a/Reembolso alimentação.pptx
+++ b/Reembolso alimentação.pptx
@@ -8107,7 +8107,7 @@
                 </a:solidFill>
                 <a:latin typeface="Helvetica" pitchFamily="34" charset="0"/>
               </a:rPr>
-              <a:t>Reembolso de despesas com alimentação</a:t>
+              <a:t>Reembolso de despesas de alimentação</a:t>
             </a:r>
           </a:p>
         </p:txBody>
@@ -8540,7 +8540,7 @@
             <a:pPr algn="just"/>
             <a:r>
               <a:rPr lang="pt-BR" sz="3000" dirty="0"/>
-              <a:t>	Quando Gestor imediato igual ao Gestor de centro de custo haverá um salto desta etapa. Caso contrário nesta etapa a Chefia imediata irá avançar a solicitação para o Gestor de centro de custo.</a:t>
+              <a:t>	Quando Gestor imediato é igual ao Gestor de centro de custo haverá um salto desta etapa. Caso contrário nesta etapa a Chefia imediata irá avançar a solicitação para o Gestor de centro de custo.</a:t>
             </a:r>
           </a:p>
           <a:p>
@@ -8644,7 +8644,7 @@
             <a:pPr algn="just"/>
             <a:r>
               <a:rPr lang="pt-BR" sz="3000" dirty="0"/>
-              <a:t>	Este também é um campo oculto de autopreenchimento, que é preenchido conforme seleção do centro de custo pelo solicitante. Esta informação é coletada no sistema TOTVS RM no cadastro de centro de custo. </a:t>
+              <a:t>	Esta etapa também possui um campo oculto de autopreenchimento, que é preenchido conforme seleção do centro de custo pelo solicitante. Esta informação é coletada no sistema TOTVS RM no cadastro de centro de custo. </a:t>
             </a:r>
           </a:p>
           <a:p>
@@ -8751,7 +8751,15 @@
             <a:pPr algn="just"/>
             <a:r>
               <a:rPr lang="pt-BR" sz="3000" dirty="0"/>
-              <a:t>	Esta é a ultima etapa do processo onde os dados preenchidos serão validados conforme o comprovante anexado, o responsável poderá aprovar ou rejeitar a solicitação. Em ambos os casos a solicitação é concluída com este status mas em caso de aprovação todos os dados do formulário serão integrados via WebService ao sistema TOTVS RM no  movimento 1.2.35 – Prestação de contas e reembolso PF. </a:t>
+              <a:t>	Esta é a ultima etapa do processo onde os dados preenchidos serão validados conforme o comprovante anexado, o responsável poderá aprovar ou rejeitar a solicitação. Em ambos os casos a solicitação é concluída com este status mas </a:t>
+            </a:r>
+            <a:r>
+              <a:rPr lang="pt-BR" sz="3000"/>
+              <a:t>quando aprovado </a:t>
+            </a:r>
+            <a:r>
+              <a:rPr lang="pt-BR" sz="3000" dirty="0"/>
+              <a:t>todos os dados do formulário serão integrados via WebService ao sistema TOTVS RM no  movimento 1.2.35 – Prestação de contas e reembolso PF. </a:t>
             </a:r>
           </a:p>
         </p:txBody>
@@ -9539,12 +9547,13 @@
 </file>
 
 <file path=customXml/item1.xml><?xml version="1.0" encoding="utf-8"?>
-<?mso-contentType ?>
-<FormTemplates xmlns="http://schemas.microsoft.com/sharepoint/v3/contenttype/forms">
-  <Display>DocumentLibraryForm</Display>
-  <Edit>DocumentLibraryForm</Edit>
-  <New>DocumentLibraryForm</New>
-</FormTemplates>
+<p:properties xmlns:p="http://schemas.microsoft.com/office/2006/metadata/properties" xmlns:xsi="http://www.w3.org/2001/XMLSchema-instance" xmlns:pc="http://schemas.microsoft.com/office/infopath/2007/PartnerControls">
+  <documentManagement>
+    <Objetivo xmlns="d885478b-f22d-4d19-a775-a8723dc1337f">Apresentação de Power Point com slides personalizados CNC na cor branca.</Objetivo>
+    <Assunto xmlns="45f96d23-d40b-4212-8da3-c017d2a6f7c3">Modelos de documentos - Padrões gráficos</Assunto>
+    <Procedimento xmlns="45f96d23-d40b-4212-8da3-c017d2a6f7c3" xsi:nil="true"/>
+  </documentManagement>
+</p:properties>
 </file>
 
 <file path=customXml/item2.xml><?xml version="1.0" encoding="utf-8"?>
@@ -9705,19 +9714,27 @@
 </file>
 
 <file path=customXml/item3.xml><?xml version="1.0" encoding="utf-8"?>
-<p:properties xmlns:p="http://schemas.microsoft.com/office/2006/metadata/properties" xmlns:xsi="http://www.w3.org/2001/XMLSchema-instance" xmlns:pc="http://schemas.microsoft.com/office/infopath/2007/PartnerControls">
-  <documentManagement>
-    <Objetivo xmlns="d885478b-f22d-4d19-a775-a8723dc1337f">Apresentação de Power Point com slides personalizados CNC na cor branca.</Objetivo>
-    <Assunto xmlns="45f96d23-d40b-4212-8da3-c017d2a6f7c3">Modelos de documentos - Padrões gráficos</Assunto>
-    <Procedimento xmlns="45f96d23-d40b-4212-8da3-c017d2a6f7c3" xsi:nil="true"/>
-  </documentManagement>
-</p:properties>
+<?mso-contentType ?>
+<FormTemplates xmlns="http://schemas.microsoft.com/sharepoint/v3/contenttype/forms">
+  <Display>DocumentLibraryForm</Display>
+  <Edit>DocumentLibraryForm</Edit>
+  <New>DocumentLibraryForm</New>
+</FormTemplates>
 </file>
 
 <file path=customXml/itemProps1.xml><?xml version="1.0" encoding="utf-8"?>
-<ds:datastoreItem xmlns:ds="http://schemas.openxmlformats.org/officeDocument/2006/customXml" ds:itemID="{FBD8799C-CBA0-43B6-B31C-584BCF8821B4}">
+<ds:datastoreItem xmlns:ds="http://schemas.openxmlformats.org/officeDocument/2006/customXml" ds:itemID="{ED2DF0E0-0EA2-48B5-9DA2-3321820A21F2}">
   <ds:schemaRefs>
-    <ds:schemaRef ds:uri="http://schemas.microsoft.com/sharepoint/v3/contenttype/forms"/>
+    <ds:schemaRef ds:uri="http://purl.org/dc/dcmitype/"/>
+    <ds:schemaRef ds:uri="http://purl.org/dc/elements/1.1/"/>
+    <ds:schemaRef ds:uri="http://schemas.microsoft.com/office/2006/metadata/properties"/>
+    <ds:schemaRef ds:uri="d885478b-f22d-4d19-a775-a8723dc1337f"/>
+    <ds:schemaRef ds:uri="http://schemas.microsoft.com/office/infopath/2007/PartnerControls"/>
+    <ds:schemaRef ds:uri="http://schemas.microsoft.com/office/2006/documentManagement/types"/>
+    <ds:schemaRef ds:uri="http://purl.org/dc/terms/"/>
+    <ds:schemaRef ds:uri="http://schemas.openxmlformats.org/package/2006/metadata/core-properties"/>
+    <ds:schemaRef ds:uri="45f96d23-d40b-4212-8da3-c017d2a6f7c3"/>
+    <ds:schemaRef ds:uri="http://www.w3.org/XML/1998/namespace"/>
   </ds:schemaRefs>
 </ds:datastoreItem>
 </file>
@@ -9742,18 +9759,9 @@
 </file>
 
 <file path=customXml/itemProps3.xml><?xml version="1.0" encoding="utf-8"?>
-<ds:datastoreItem xmlns:ds="http://schemas.openxmlformats.org/officeDocument/2006/customXml" ds:itemID="{ED2DF0E0-0EA2-48B5-9DA2-3321820A21F2}">
+<ds:datastoreItem xmlns:ds="http://schemas.openxmlformats.org/officeDocument/2006/customXml" ds:itemID="{FBD8799C-CBA0-43B6-B31C-584BCF8821B4}">
   <ds:schemaRefs>
-    <ds:schemaRef ds:uri="http://purl.org/dc/dcmitype/"/>
-    <ds:schemaRef ds:uri="http://purl.org/dc/elements/1.1/"/>
-    <ds:schemaRef ds:uri="http://schemas.microsoft.com/office/2006/metadata/properties"/>
-    <ds:schemaRef ds:uri="d885478b-f22d-4d19-a775-a8723dc1337f"/>
-    <ds:schemaRef ds:uri="http://schemas.microsoft.com/office/infopath/2007/PartnerControls"/>
-    <ds:schemaRef ds:uri="http://schemas.microsoft.com/office/2006/documentManagement/types"/>
-    <ds:schemaRef ds:uri="http://purl.org/dc/terms/"/>
-    <ds:schemaRef ds:uri="http://schemas.openxmlformats.org/package/2006/metadata/core-properties"/>
-    <ds:schemaRef ds:uri="45f96d23-d40b-4212-8da3-c017d2a6f7c3"/>
-    <ds:schemaRef ds:uri="http://www.w3.org/XML/1998/namespace"/>
+    <ds:schemaRef ds:uri="http://schemas.microsoft.com/sharepoint/v3/contenttype/forms"/>
   </ds:schemaRefs>
 </ds:datastoreItem>
 </file>